--- a/Final-Project/Final_Deliverables/Presentation.pptx
+++ b/Final-Project/Final_Deliverables/Presentation.pptx
@@ -112,6 +112,11 @@
       </a:defRPr>
     </a:lvl9pPr>
   </p:defaultTextStyle>
+  <p:extLst>
+    <p:ext uri="{EFAFB233-063F-42B5-8137-9DF3F51BA10A}">
+      <p15:sldGuideLst xmlns:p15="http://schemas.microsoft.com/office/powerpoint/2012/main"/>
+    </p:ext>
+  </p:extLst>
 </p:presentation>
 </file>
 
@@ -165,7 +170,7 @@
           <a:noFill/>
           <a:extLst>
             <a:ext uri="{909E8E84-426E-40dd-AFC4-6F175D3DCCD1}">
-              <a14:hiddenFill xmlns:a14="http://schemas.microsoft.com/office/drawing/2010/main" xmlns="">
+              <a14:hiddenFill xmlns="" xmlns:a14="http://schemas.microsoft.com/office/drawing/2010/main">
                 <a:solidFill>
                   <a:srgbClr val="FFFFFF"/>
                 </a:solidFill>
@@ -225,7 +230,7 @@
             </a:ln>
             <a:extLst>
               <a:ext uri="{91240B29-F687-4f45-9708-019B960494DF}">
-                <a14:hiddenLine xmlns:a14="http://schemas.microsoft.com/office/drawing/2010/main" xmlns="" w="9525">
+                <a14:hiddenLine xmlns="" xmlns:a14="http://schemas.microsoft.com/office/drawing/2010/main" w="9525">
                   <a:solidFill>
                     <a:srgbClr val="000000"/>
                   </a:solidFill>
@@ -315,7 +320,7 @@
             </a:ln>
             <a:extLst>
               <a:ext uri="{91240B29-F687-4f45-9708-019B960494DF}">
-                <a14:hiddenLine xmlns:a14="http://schemas.microsoft.com/office/drawing/2010/main" xmlns="" w="9525">
+                <a14:hiddenLine xmlns="" xmlns:a14="http://schemas.microsoft.com/office/drawing/2010/main" w="9525">
                   <a:solidFill>
                     <a:srgbClr val="000000"/>
                   </a:solidFill>
@@ -405,7 +410,7 @@
             </a:ln>
             <a:extLst>
               <a:ext uri="{91240B29-F687-4f45-9708-019B960494DF}">
-                <a14:hiddenLine xmlns:a14="http://schemas.microsoft.com/office/drawing/2010/main" xmlns="" w="9525">
+                <a14:hiddenLine xmlns="" xmlns:a14="http://schemas.microsoft.com/office/drawing/2010/main" w="9525">
                   <a:solidFill>
                     <a:srgbClr val="000000"/>
                   </a:solidFill>
@@ -439,7 +444,7 @@
             </a:ln>
             <a:extLst>
               <a:ext uri="{91240B29-F687-4f45-9708-019B960494DF}">
-                <a14:hiddenLine xmlns:a14="http://schemas.microsoft.com/office/drawing/2010/main" xmlns="" w="9525">
+                <a14:hiddenLine xmlns="" xmlns:a14="http://schemas.microsoft.com/office/drawing/2010/main" w="9525">
                   <a:solidFill>
                     <a:srgbClr val="000000"/>
                   </a:solidFill>
@@ -529,7 +534,7 @@
             </a:ln>
             <a:extLst>
               <a:ext uri="{91240B29-F687-4f45-9708-019B960494DF}">
-                <a14:hiddenLine xmlns:a14="http://schemas.microsoft.com/office/drawing/2010/main" xmlns="" w="9525">
+                <a14:hiddenLine xmlns="" xmlns:a14="http://schemas.microsoft.com/office/drawing/2010/main" w="9525">
                   <a:solidFill>
                     <a:srgbClr val="000000"/>
                   </a:solidFill>
@@ -591,7 +596,7 @@
             </a:ln>
             <a:extLst>
               <a:ext uri="{91240B29-F687-4f45-9708-019B960494DF}">
-                <a14:hiddenLine xmlns:a14="http://schemas.microsoft.com/office/drawing/2010/main" xmlns="" w="9525">
+                <a14:hiddenLine xmlns="" xmlns:a14="http://schemas.microsoft.com/office/drawing/2010/main" w="9525">
                   <a:solidFill>
                     <a:srgbClr val="000000"/>
                   </a:solidFill>
@@ -653,7 +658,7 @@
             </a:ln>
             <a:extLst>
               <a:ext uri="{91240B29-F687-4f45-9708-019B960494DF}">
-                <a14:hiddenLine xmlns:a14="http://schemas.microsoft.com/office/drawing/2010/main" xmlns="" w="9525">
+                <a14:hiddenLine xmlns="" xmlns:a14="http://schemas.microsoft.com/office/drawing/2010/main" w="9525">
                   <a:solidFill>
                     <a:srgbClr val="000000"/>
                   </a:solidFill>
@@ -743,7 +748,7 @@
             </a:ln>
             <a:extLst>
               <a:ext uri="{91240B29-F687-4f45-9708-019B960494DF}">
-                <a14:hiddenLine xmlns:a14="http://schemas.microsoft.com/office/drawing/2010/main" xmlns="" w="9525">
+                <a14:hiddenLine xmlns="" xmlns:a14="http://schemas.microsoft.com/office/drawing/2010/main" w="9525">
                   <a:solidFill>
                     <a:srgbClr val="000000"/>
                   </a:solidFill>
@@ -805,7 +810,7 @@
             </a:ln>
             <a:extLst>
               <a:ext uri="{91240B29-F687-4f45-9708-019B960494DF}">
-                <a14:hiddenLine xmlns:a14="http://schemas.microsoft.com/office/drawing/2010/main" xmlns="" w="9525">
+                <a14:hiddenLine xmlns="" xmlns:a14="http://schemas.microsoft.com/office/drawing/2010/main" w="9525">
                   <a:solidFill>
                     <a:srgbClr val="000000"/>
                   </a:solidFill>
@@ -867,7 +872,7 @@
             </a:ln>
             <a:extLst>
               <a:ext uri="{91240B29-F687-4f45-9708-019B960494DF}">
-                <a14:hiddenLine xmlns:a14="http://schemas.microsoft.com/office/drawing/2010/main" xmlns="" w="9525">
+                <a14:hiddenLine xmlns="" xmlns:a14="http://schemas.microsoft.com/office/drawing/2010/main" w="9525">
                   <a:solidFill>
                     <a:srgbClr val="000000"/>
                   </a:solidFill>
@@ -957,7 +962,7 @@
             </a:ln>
             <a:extLst>
               <a:ext uri="{91240B29-F687-4f45-9708-019B960494DF}">
-                <a14:hiddenLine xmlns:a14="http://schemas.microsoft.com/office/drawing/2010/main" xmlns="" w="9525">
+                <a14:hiddenLine xmlns="" xmlns:a14="http://schemas.microsoft.com/office/drawing/2010/main" w="9525">
                   <a:solidFill>
                     <a:srgbClr val="000000"/>
                   </a:solidFill>
@@ -1047,7 +1052,7 @@
             </a:ln>
             <a:extLst>
               <a:ext uri="{91240B29-F687-4f45-9708-019B960494DF}">
-                <a14:hiddenLine xmlns:a14="http://schemas.microsoft.com/office/drawing/2010/main" xmlns="" w="9525">
+                <a14:hiddenLine xmlns="" xmlns:a14="http://schemas.microsoft.com/office/drawing/2010/main" w="9525">
                   <a:solidFill>
                     <a:srgbClr val="000000"/>
                   </a:solidFill>
@@ -1109,7 +1114,7 @@
             </a:ln>
             <a:extLst>
               <a:ext uri="{91240B29-F687-4f45-9708-019B960494DF}">
-                <a14:hiddenLine xmlns:a14="http://schemas.microsoft.com/office/drawing/2010/main" xmlns="" w="9525">
+                <a14:hiddenLine xmlns="" xmlns:a14="http://schemas.microsoft.com/office/drawing/2010/main" w="9525">
                   <a:solidFill>
                     <a:srgbClr val="000000"/>
                   </a:solidFill>
@@ -1219,7 +1224,7 @@
             </a:ln>
             <a:extLst>
               <a:ext uri="{91240B29-F687-4f45-9708-019B960494DF}">
-                <a14:hiddenLine xmlns:a14="http://schemas.microsoft.com/office/drawing/2010/main" xmlns="" w="9525">
+                <a14:hiddenLine xmlns="" xmlns:a14="http://schemas.microsoft.com/office/drawing/2010/main" w="9525">
                   <a:solidFill>
                     <a:srgbClr val="000000"/>
                   </a:solidFill>
@@ -1281,7 +1286,7 @@
             </a:ln>
             <a:extLst>
               <a:ext uri="{91240B29-F687-4f45-9708-019B960494DF}">
-                <a14:hiddenLine xmlns:a14="http://schemas.microsoft.com/office/drawing/2010/main" xmlns="" w="9525">
+                <a14:hiddenLine xmlns="" xmlns:a14="http://schemas.microsoft.com/office/drawing/2010/main" w="9525">
                   <a:solidFill>
                     <a:srgbClr val="000000"/>
                   </a:solidFill>
@@ -1371,7 +1376,7 @@
             </a:ln>
             <a:extLst>
               <a:ext uri="{91240B29-F687-4f45-9708-019B960494DF}">
-                <a14:hiddenLine xmlns:a14="http://schemas.microsoft.com/office/drawing/2010/main" xmlns="" w="9525">
+                <a14:hiddenLine xmlns="" xmlns:a14="http://schemas.microsoft.com/office/drawing/2010/main" w="9525">
                   <a:solidFill>
                     <a:srgbClr val="000000"/>
                   </a:solidFill>
@@ -1461,7 +1466,7 @@
             </a:ln>
             <a:extLst>
               <a:ext uri="{91240B29-F687-4f45-9708-019B960494DF}">
-                <a14:hiddenLine xmlns:a14="http://schemas.microsoft.com/office/drawing/2010/main" xmlns="" w="9525">
+                <a14:hiddenLine xmlns="" xmlns:a14="http://schemas.microsoft.com/office/drawing/2010/main" w="9525">
                   <a:solidFill>
                     <a:srgbClr val="000000"/>
                   </a:solidFill>
@@ -1523,7 +1528,7 @@
             </a:ln>
             <a:extLst>
               <a:ext uri="{91240B29-F687-4f45-9708-019B960494DF}">
-                <a14:hiddenLine xmlns:a14="http://schemas.microsoft.com/office/drawing/2010/main" xmlns="" w="9525">
+                <a14:hiddenLine xmlns="" xmlns:a14="http://schemas.microsoft.com/office/drawing/2010/main" w="9525">
                   <a:solidFill>
                     <a:srgbClr val="000000"/>
                   </a:solidFill>
@@ -1613,7 +1618,7 @@
             </a:ln>
             <a:extLst>
               <a:ext uri="{91240B29-F687-4f45-9708-019B960494DF}">
-                <a14:hiddenLine xmlns:a14="http://schemas.microsoft.com/office/drawing/2010/main" xmlns="" w="9525">
+                <a14:hiddenLine xmlns="" xmlns:a14="http://schemas.microsoft.com/office/drawing/2010/main" w="9525">
                   <a:solidFill>
                     <a:srgbClr val="000000"/>
                   </a:solidFill>
@@ -1703,7 +1708,7 @@
             </a:ln>
             <a:extLst>
               <a:ext uri="{91240B29-F687-4f45-9708-019B960494DF}">
-                <a14:hiddenLine xmlns:a14="http://schemas.microsoft.com/office/drawing/2010/main" xmlns="" w="9525">
+                <a14:hiddenLine xmlns="" xmlns:a14="http://schemas.microsoft.com/office/drawing/2010/main" w="9525">
                   <a:solidFill>
                     <a:srgbClr val="000000"/>
                   </a:solidFill>
@@ -1759,7 +1764,7 @@
             </a:ln>
             <a:extLst>
               <a:ext uri="{91240B29-F687-4f45-9708-019B960494DF}">
-                <a14:hiddenLine xmlns:a14="http://schemas.microsoft.com/office/drawing/2010/main" xmlns="" w="9525">
+                <a14:hiddenLine xmlns="" xmlns:a14="http://schemas.microsoft.com/office/drawing/2010/main" w="9525">
                   <a:solidFill>
                     <a:srgbClr val="000000"/>
                   </a:solidFill>
@@ -1849,7 +1854,7 @@
             </a:ln>
             <a:extLst>
               <a:ext uri="{91240B29-F687-4f45-9708-019B960494DF}">
-                <a14:hiddenLine xmlns:a14="http://schemas.microsoft.com/office/drawing/2010/main" xmlns="" w="9525">
+                <a14:hiddenLine xmlns="" xmlns:a14="http://schemas.microsoft.com/office/drawing/2010/main" w="9525">
                   <a:solidFill>
                     <a:srgbClr val="000000"/>
                   </a:solidFill>
@@ -1905,7 +1910,7 @@
             </a:ln>
             <a:extLst>
               <a:ext uri="{91240B29-F687-4f45-9708-019B960494DF}">
-                <a14:hiddenLine xmlns:a14="http://schemas.microsoft.com/office/drawing/2010/main" xmlns="" w="9525">
+                <a14:hiddenLine xmlns="" xmlns:a14="http://schemas.microsoft.com/office/drawing/2010/main" w="9525">
                   <a:solidFill>
                     <a:srgbClr val="000000"/>
                   </a:solidFill>
@@ -1995,7 +2000,7 @@
             </a:ln>
             <a:extLst>
               <a:ext uri="{91240B29-F687-4f45-9708-019B960494DF}">
-                <a14:hiddenLine xmlns:a14="http://schemas.microsoft.com/office/drawing/2010/main" xmlns="" w="9525">
+                <a14:hiddenLine xmlns="" xmlns:a14="http://schemas.microsoft.com/office/drawing/2010/main" w="9525">
                   <a:solidFill>
                     <a:srgbClr val="000000"/>
                   </a:solidFill>
@@ -2063,7 +2068,7 @@
             </a:ln>
             <a:extLst>
               <a:ext uri="{91240B29-F687-4f45-9708-019B960494DF}">
-                <a14:hiddenLine xmlns:a14="http://schemas.microsoft.com/office/drawing/2010/main" xmlns="" w="9525">
+                <a14:hiddenLine xmlns="" xmlns:a14="http://schemas.microsoft.com/office/drawing/2010/main" w="9525">
                   <a:solidFill>
                     <a:srgbClr val="000000"/>
                   </a:solidFill>
@@ -2153,7 +2158,7 @@
             </a:ln>
             <a:extLst>
               <a:ext uri="{91240B29-F687-4f45-9708-019B960494DF}">
-                <a14:hiddenLine xmlns:a14="http://schemas.microsoft.com/office/drawing/2010/main" xmlns="" w="9525">
+                <a14:hiddenLine xmlns="" xmlns:a14="http://schemas.microsoft.com/office/drawing/2010/main" w="9525">
                   <a:solidFill>
                     <a:srgbClr val="000000"/>
                   </a:solidFill>
@@ -2221,7 +2226,7 @@
             </a:ln>
             <a:extLst>
               <a:ext uri="{91240B29-F687-4f45-9708-019B960494DF}">
-                <a14:hiddenLine xmlns:a14="http://schemas.microsoft.com/office/drawing/2010/main" xmlns="" w="9525">
+                <a14:hiddenLine xmlns="" xmlns:a14="http://schemas.microsoft.com/office/drawing/2010/main" w="9525">
                   <a:solidFill>
                     <a:srgbClr val="000000"/>
                   </a:solidFill>
@@ -2311,7 +2316,7 @@
             </a:ln>
             <a:extLst>
               <a:ext uri="{91240B29-F687-4f45-9708-019B960494DF}">
-                <a14:hiddenLine xmlns:a14="http://schemas.microsoft.com/office/drawing/2010/main" xmlns="" w="9525">
+                <a14:hiddenLine xmlns="" xmlns:a14="http://schemas.microsoft.com/office/drawing/2010/main" w="9525">
                   <a:solidFill>
                     <a:srgbClr val="000000"/>
                   </a:solidFill>
@@ -2345,7 +2350,7 @@
             </a:ln>
             <a:extLst>
               <a:ext uri="{91240B29-F687-4f45-9708-019B960494DF}">
-                <a14:hiddenLine xmlns:a14="http://schemas.microsoft.com/office/drawing/2010/main" xmlns="" w="9525">
+                <a14:hiddenLine xmlns="" xmlns:a14="http://schemas.microsoft.com/office/drawing/2010/main" w="9525">
                   <a:solidFill>
                     <a:srgbClr val="000000"/>
                   </a:solidFill>
@@ -2435,7 +2440,7 @@
             </a:ln>
             <a:extLst>
               <a:ext uri="{91240B29-F687-4f45-9708-019B960494DF}">
-                <a14:hiddenLine xmlns:a14="http://schemas.microsoft.com/office/drawing/2010/main" xmlns="" w="9525">
+                <a14:hiddenLine xmlns="" xmlns:a14="http://schemas.microsoft.com/office/drawing/2010/main" w="9525">
                   <a:solidFill>
                     <a:srgbClr val="000000"/>
                   </a:solidFill>
@@ -2497,7 +2502,7 @@
             </a:ln>
             <a:extLst>
               <a:ext uri="{91240B29-F687-4f45-9708-019B960494DF}">
-                <a14:hiddenLine xmlns:a14="http://schemas.microsoft.com/office/drawing/2010/main" xmlns="" w="9525">
+                <a14:hiddenLine xmlns="" xmlns:a14="http://schemas.microsoft.com/office/drawing/2010/main" w="9525">
                   <a:solidFill>
                     <a:srgbClr val="000000"/>
                   </a:solidFill>
@@ -2559,7 +2564,7 @@
             </a:ln>
             <a:extLst>
               <a:ext uri="{91240B29-F687-4f45-9708-019B960494DF}">
-                <a14:hiddenLine xmlns:a14="http://schemas.microsoft.com/office/drawing/2010/main" xmlns="" w="9525">
+                <a14:hiddenLine xmlns="" xmlns:a14="http://schemas.microsoft.com/office/drawing/2010/main" w="9525">
                   <a:solidFill>
                     <a:srgbClr val="000000"/>
                   </a:solidFill>
@@ -2649,7 +2654,7 @@
             </a:ln>
             <a:extLst>
               <a:ext uri="{91240B29-F687-4f45-9708-019B960494DF}">
-                <a14:hiddenLine xmlns:a14="http://schemas.microsoft.com/office/drawing/2010/main" xmlns="" w="9525">
+                <a14:hiddenLine xmlns="" xmlns:a14="http://schemas.microsoft.com/office/drawing/2010/main" w="9525">
                   <a:solidFill>
                     <a:srgbClr val="000000"/>
                   </a:solidFill>
@@ -2717,7 +2722,7 @@
             </a:ln>
             <a:extLst>
               <a:ext uri="{91240B29-F687-4f45-9708-019B960494DF}">
-                <a14:hiddenLine xmlns:a14="http://schemas.microsoft.com/office/drawing/2010/main" xmlns="" w="9525">
+                <a14:hiddenLine xmlns="" xmlns:a14="http://schemas.microsoft.com/office/drawing/2010/main" w="9525">
                   <a:solidFill>
                     <a:srgbClr val="000000"/>
                   </a:solidFill>
@@ -2779,7 +2784,7 @@
             </a:ln>
             <a:extLst>
               <a:ext uri="{91240B29-F687-4f45-9708-019B960494DF}">
-                <a14:hiddenLine xmlns:a14="http://schemas.microsoft.com/office/drawing/2010/main" xmlns="" w="9525">
+                <a14:hiddenLine xmlns="" xmlns:a14="http://schemas.microsoft.com/office/drawing/2010/main" w="9525">
                   <a:solidFill>
                     <a:srgbClr val="000000"/>
                   </a:solidFill>
@@ -2869,7 +2874,7 @@
             </a:ln>
             <a:extLst>
               <a:ext uri="{91240B29-F687-4f45-9708-019B960494DF}">
-                <a14:hiddenLine xmlns:a14="http://schemas.microsoft.com/office/drawing/2010/main" xmlns="" w="9525">
+                <a14:hiddenLine xmlns="" xmlns:a14="http://schemas.microsoft.com/office/drawing/2010/main" w="9525">
                   <a:solidFill>
                     <a:srgbClr val="000000"/>
                   </a:solidFill>
@@ -2931,7 +2936,7 @@
             </a:ln>
             <a:extLst>
               <a:ext uri="{91240B29-F687-4f45-9708-019B960494DF}">
-                <a14:hiddenLine xmlns:a14="http://schemas.microsoft.com/office/drawing/2010/main" xmlns="" w="9525">
+                <a14:hiddenLine xmlns="" xmlns:a14="http://schemas.microsoft.com/office/drawing/2010/main" w="9525">
                   <a:solidFill>
                     <a:srgbClr val="000000"/>
                   </a:solidFill>
@@ -3021,7 +3026,7 @@
             </a:ln>
             <a:extLst>
               <a:ext uri="{91240B29-F687-4f45-9708-019B960494DF}">
-                <a14:hiddenLine xmlns:a14="http://schemas.microsoft.com/office/drawing/2010/main" xmlns="" w="9525">
+                <a14:hiddenLine xmlns="" xmlns:a14="http://schemas.microsoft.com/office/drawing/2010/main" w="9525">
                   <a:solidFill>
                     <a:srgbClr val="000000"/>
                   </a:solidFill>
@@ -3083,7 +3088,7 @@
             </a:ln>
             <a:extLst>
               <a:ext uri="{91240B29-F687-4f45-9708-019B960494DF}">
-                <a14:hiddenLine xmlns:a14="http://schemas.microsoft.com/office/drawing/2010/main" xmlns="" w="9525">
+                <a14:hiddenLine xmlns="" xmlns:a14="http://schemas.microsoft.com/office/drawing/2010/main" w="9525">
                   <a:solidFill>
                     <a:srgbClr val="000000"/>
                   </a:solidFill>
@@ -3173,7 +3178,7 @@
             </a:ln>
             <a:extLst>
               <a:ext uri="{91240B29-F687-4f45-9708-019B960494DF}">
-                <a14:hiddenLine xmlns:a14="http://schemas.microsoft.com/office/drawing/2010/main" xmlns="" w="9525">
+                <a14:hiddenLine xmlns="" xmlns:a14="http://schemas.microsoft.com/office/drawing/2010/main" w="9525">
                   <a:solidFill>
                     <a:srgbClr val="000000"/>
                   </a:solidFill>
@@ -3207,7 +3212,7 @@
             </a:ln>
             <a:extLst>
               <a:ext uri="{91240B29-F687-4f45-9708-019B960494DF}">
-                <a14:hiddenLine xmlns:a14="http://schemas.microsoft.com/office/drawing/2010/main" xmlns="" w="9525">
+                <a14:hiddenLine xmlns="" xmlns:a14="http://schemas.microsoft.com/office/drawing/2010/main" w="9525">
                   <a:solidFill>
                     <a:srgbClr val="000000"/>
                   </a:solidFill>
@@ -3272,7 +3277,7 @@
             </a:ln>
             <a:extLst>
               <a:ext uri="{91240B29-F687-4f45-9708-019B960494DF}">
-                <a14:hiddenLine xmlns:a14="http://schemas.microsoft.com/office/drawing/2010/main" xmlns="" w="9525">
+                <a14:hiddenLine xmlns="" xmlns:a14="http://schemas.microsoft.com/office/drawing/2010/main" w="9525">
                   <a:solidFill>
                     <a:srgbClr val="000000"/>
                   </a:solidFill>
@@ -3362,7 +3367,7 @@
             </a:ln>
             <a:extLst>
               <a:ext uri="{91240B29-F687-4f45-9708-019B960494DF}">
-                <a14:hiddenLine xmlns:a14="http://schemas.microsoft.com/office/drawing/2010/main" xmlns="" w="9525">
+                <a14:hiddenLine xmlns="" xmlns:a14="http://schemas.microsoft.com/office/drawing/2010/main" w="9525">
                   <a:solidFill>
                     <a:srgbClr val="000000"/>
                   </a:solidFill>
@@ -3424,7 +3429,7 @@
             </a:ln>
             <a:extLst>
               <a:ext uri="{91240B29-F687-4f45-9708-019B960494DF}">
-                <a14:hiddenLine xmlns:a14="http://schemas.microsoft.com/office/drawing/2010/main" xmlns="" w="9525">
+                <a14:hiddenLine xmlns="" xmlns:a14="http://schemas.microsoft.com/office/drawing/2010/main" w="9525">
                   <a:solidFill>
                     <a:srgbClr val="000000"/>
                   </a:solidFill>
@@ -3514,7 +3519,7 @@
             </a:ln>
             <a:extLst>
               <a:ext uri="{91240B29-F687-4f45-9708-019B960494DF}">
-                <a14:hiddenLine xmlns:a14="http://schemas.microsoft.com/office/drawing/2010/main" xmlns="" w="9525">
+                <a14:hiddenLine xmlns="" xmlns:a14="http://schemas.microsoft.com/office/drawing/2010/main" w="9525">
                   <a:solidFill>
                     <a:srgbClr val="000000"/>
                   </a:solidFill>
@@ -3604,7 +3609,7 @@
             </a:ln>
             <a:extLst>
               <a:ext uri="{91240B29-F687-4f45-9708-019B960494DF}">
-                <a14:hiddenLine xmlns:a14="http://schemas.microsoft.com/office/drawing/2010/main" xmlns="" w="9525">
+                <a14:hiddenLine xmlns="" xmlns:a14="http://schemas.microsoft.com/office/drawing/2010/main" w="9525">
                   <a:solidFill>
                     <a:srgbClr val="000000"/>
                   </a:solidFill>
@@ -3669,7 +3674,7 @@
             </a:ln>
             <a:extLst>
               <a:ext uri="{91240B29-F687-4f45-9708-019B960494DF}">
-                <a14:hiddenLine xmlns:a14="http://schemas.microsoft.com/office/drawing/2010/main" xmlns="" w="9525">
+                <a14:hiddenLine xmlns="" xmlns:a14="http://schemas.microsoft.com/office/drawing/2010/main" w="9525">
                   <a:solidFill>
                     <a:srgbClr val="000000"/>
                   </a:solidFill>
@@ -3731,7 +3736,7 @@
             </a:ln>
             <a:extLst>
               <a:ext uri="{91240B29-F687-4f45-9708-019B960494DF}">
-                <a14:hiddenLine xmlns:a14="http://schemas.microsoft.com/office/drawing/2010/main" xmlns="" w="9525">
+                <a14:hiddenLine xmlns="" xmlns:a14="http://schemas.microsoft.com/office/drawing/2010/main" w="9525">
                   <a:solidFill>
                     <a:srgbClr val="000000"/>
                   </a:solidFill>
@@ -3821,7 +3826,7 @@
             </a:ln>
             <a:extLst>
               <a:ext uri="{91240B29-F687-4f45-9708-019B960494DF}">
-                <a14:hiddenLine xmlns:a14="http://schemas.microsoft.com/office/drawing/2010/main" xmlns="" w="9525">
+                <a14:hiddenLine xmlns="" xmlns:a14="http://schemas.microsoft.com/office/drawing/2010/main" w="9525">
                   <a:solidFill>
                     <a:srgbClr val="000000"/>
                   </a:solidFill>
@@ -3911,7 +3916,7 @@
             </a:ln>
             <a:extLst>
               <a:ext uri="{91240B29-F687-4f45-9708-019B960494DF}">
-                <a14:hiddenLine xmlns:a14="http://schemas.microsoft.com/office/drawing/2010/main" xmlns="" w="9525">
+                <a14:hiddenLine xmlns="" xmlns:a14="http://schemas.microsoft.com/office/drawing/2010/main" w="9525">
                   <a:solidFill>
                     <a:srgbClr val="000000"/>
                   </a:solidFill>
@@ -3973,7 +3978,7 @@
             </a:ln>
             <a:extLst>
               <a:ext uri="{91240B29-F687-4f45-9708-019B960494DF}">
-                <a14:hiddenLine xmlns:a14="http://schemas.microsoft.com/office/drawing/2010/main" xmlns="" w="9525">
+                <a14:hiddenLine xmlns="" xmlns:a14="http://schemas.microsoft.com/office/drawing/2010/main" w="9525">
                   <a:solidFill>
                     <a:srgbClr val="000000"/>
                   </a:solidFill>
@@ -4093,7 +4098,7 @@
             </a:ln>
             <a:extLst>
               <a:ext uri="{91240B29-F687-4f45-9708-019B960494DF}">
-                <a14:hiddenLine xmlns:a14="http://schemas.microsoft.com/office/drawing/2010/main" xmlns="" w="9525">
+                <a14:hiddenLine xmlns="" xmlns:a14="http://schemas.microsoft.com/office/drawing/2010/main" w="9525">
                   <a:solidFill>
                     <a:srgbClr val="000000"/>
                   </a:solidFill>
@@ -4161,7 +4166,7 @@
             </a:ln>
             <a:extLst>
               <a:ext uri="{91240B29-F687-4f45-9708-019B960494DF}">
-                <a14:hiddenLine xmlns:a14="http://schemas.microsoft.com/office/drawing/2010/main" xmlns="" w="9525">
+                <a14:hiddenLine xmlns="" xmlns:a14="http://schemas.microsoft.com/office/drawing/2010/main" w="9525">
                   <a:solidFill>
                     <a:srgbClr val="000000"/>
                   </a:solidFill>
@@ -4251,7 +4256,7 @@
             </a:ln>
             <a:extLst>
               <a:ext uri="{91240B29-F687-4f45-9708-019B960494DF}">
-                <a14:hiddenLine xmlns:a14="http://schemas.microsoft.com/office/drawing/2010/main" xmlns="" w="9525">
+                <a14:hiddenLine xmlns="" xmlns:a14="http://schemas.microsoft.com/office/drawing/2010/main" w="9525">
                   <a:solidFill>
                     <a:srgbClr val="000000"/>
                   </a:solidFill>
@@ -4391,7 +4396,7 @@
           <a:p>
             <a:fld id="{48A87A34-81AB-432B-8DAE-1953F412C126}" type="datetimeFigureOut">
               <a:rPr lang="en-US" smtClean="0"/>
-              <a:t>12/11/19</a:t>
+              <a:t>12/18/19</a:t>
             </a:fld>
             <a:endParaRPr lang="en-US" dirty="0"/>
           </a:p>
@@ -4658,7 +4663,7 @@
           <a:p>
             <a:fld id="{48A87A34-81AB-432B-8DAE-1953F412C126}" type="datetimeFigureOut">
               <a:rPr lang="en-US" smtClean="0"/>
-              <a:t>12/11/19</a:t>
+              <a:t>12/18/19</a:t>
             </a:fld>
             <a:endParaRPr lang="en-US" dirty="0"/>
           </a:p>
@@ -4854,7 +4859,7 @@
           <a:p>
             <a:fld id="{48A87A34-81AB-432B-8DAE-1953F412C126}" type="datetimeFigureOut">
               <a:rPr lang="en-US" smtClean="0"/>
-              <a:t>12/11/19</a:t>
+              <a:t>12/18/19</a:t>
             </a:fld>
             <a:endParaRPr lang="en-US" dirty="0"/>
           </a:p>
@@ -5117,7 +5122,7 @@
           <a:p>
             <a:fld id="{48A87A34-81AB-432B-8DAE-1953F412C126}" type="datetimeFigureOut">
               <a:rPr lang="en-US" smtClean="0"/>
-              <a:t>12/11/19</a:t>
+              <a:t>12/18/19</a:t>
             </a:fld>
             <a:endParaRPr lang="en-US" dirty="0"/>
           </a:p>
@@ -5551,7 +5556,7 @@
           <a:p>
             <a:fld id="{48A87A34-81AB-432B-8DAE-1953F412C126}" type="datetimeFigureOut">
               <a:rPr lang="en-US" smtClean="0"/>
-              <a:t>12/11/19</a:t>
+              <a:t>12/18/19</a:t>
             </a:fld>
             <a:endParaRPr lang="en-US" dirty="0"/>
           </a:p>
@@ -6097,7 +6102,7 @@
           <a:p>
             <a:fld id="{48A87A34-81AB-432B-8DAE-1953F412C126}" type="datetimeFigureOut">
               <a:rPr lang="en-US" smtClean="0"/>
-              <a:t>12/11/19</a:t>
+              <a:t>12/18/19</a:t>
             </a:fld>
             <a:endParaRPr lang="en-US" dirty="0"/>
           </a:p>
@@ -6817,7 +6822,7 @@
           <a:p>
             <a:fld id="{48A87A34-81AB-432B-8DAE-1953F412C126}" type="datetimeFigureOut">
               <a:rPr lang="en-US" smtClean="0"/>
-              <a:t>12/11/19</a:t>
+              <a:t>12/18/19</a:t>
             </a:fld>
             <a:endParaRPr lang="en-US" dirty="0"/>
           </a:p>
@@ -6987,7 +6992,7 @@
           <a:p>
             <a:fld id="{48A87A34-81AB-432B-8DAE-1953F412C126}" type="datetimeFigureOut">
               <a:rPr lang="en-US" smtClean="0"/>
-              <a:t>12/11/19</a:t>
+              <a:t>12/18/19</a:t>
             </a:fld>
             <a:endParaRPr lang="en-US" dirty="0"/>
           </a:p>
@@ -7167,7 +7172,7 @@
           <a:p>
             <a:fld id="{48A87A34-81AB-432B-8DAE-1953F412C126}" type="datetimeFigureOut">
               <a:rPr lang="en-US" smtClean="0"/>
-              <a:t>12/11/19</a:t>
+              <a:t>12/18/19</a:t>
             </a:fld>
             <a:endParaRPr lang="en-US" dirty="0"/>
           </a:p>
@@ -7337,7 +7342,7 @@
           <a:p>
             <a:fld id="{48A87A34-81AB-432B-8DAE-1953F412C126}" type="datetimeFigureOut">
               <a:rPr lang="en-US" smtClean="0"/>
-              <a:t>12/11/19</a:t>
+              <a:t>12/18/19</a:t>
             </a:fld>
             <a:endParaRPr lang="en-US" dirty="0"/>
           </a:p>
@@ -7587,7 +7592,7 @@
           <a:p>
             <a:fld id="{48A87A34-81AB-432B-8DAE-1953F412C126}" type="datetimeFigureOut">
               <a:rPr lang="en-US" smtClean="0"/>
-              <a:t>12/11/19</a:t>
+              <a:t>12/18/19</a:t>
             </a:fld>
             <a:endParaRPr lang="en-US" dirty="0"/>
           </a:p>
@@ -7819,7 +7824,7 @@
           <a:p>
             <a:fld id="{48A87A34-81AB-432B-8DAE-1953F412C126}" type="datetimeFigureOut">
               <a:rPr lang="en-US" smtClean="0"/>
-              <a:t>12/11/19</a:t>
+              <a:t>12/18/19</a:t>
             </a:fld>
             <a:endParaRPr lang="en-US" dirty="0"/>
           </a:p>
@@ -8200,7 +8205,7 @@
           <a:p>
             <a:fld id="{48A87A34-81AB-432B-8DAE-1953F412C126}" type="datetimeFigureOut">
               <a:rPr lang="en-US" smtClean="0"/>
-              <a:t>12/11/19</a:t>
+              <a:t>12/18/19</a:t>
             </a:fld>
             <a:endParaRPr lang="en-US" dirty="0"/>
           </a:p>
@@ -8318,7 +8323,7 @@
           <a:p>
             <a:fld id="{48A87A34-81AB-432B-8DAE-1953F412C126}" type="datetimeFigureOut">
               <a:rPr lang="en-US" smtClean="0"/>
-              <a:t>12/11/19</a:t>
+              <a:t>12/18/19</a:t>
             </a:fld>
             <a:endParaRPr lang="en-US" dirty="0"/>
           </a:p>
@@ -8413,7 +8418,7 @@
           <a:p>
             <a:fld id="{48A87A34-81AB-432B-8DAE-1953F412C126}" type="datetimeFigureOut">
               <a:rPr lang="en-US" smtClean="0"/>
-              <a:t>12/11/19</a:t>
+              <a:t>12/18/19</a:t>
             </a:fld>
             <a:endParaRPr lang="en-US" dirty="0"/>
           </a:p>
@@ -8662,7 +8667,7 @@
           <a:p>
             <a:fld id="{48A87A34-81AB-432B-8DAE-1953F412C126}" type="datetimeFigureOut">
               <a:rPr lang="en-US" smtClean="0"/>
-              <a:t>12/11/19</a:t>
+              <a:t>12/18/19</a:t>
             </a:fld>
             <a:endParaRPr lang="en-US" dirty="0"/>
           </a:p>
@@ -8942,7 +8947,7 @@
           <a:p>
             <a:fld id="{48A87A34-81AB-432B-8DAE-1953F412C126}" type="datetimeFigureOut">
               <a:rPr lang="en-US" smtClean="0"/>
-              <a:t>12/11/19</a:t>
+              <a:t>12/18/19</a:t>
             </a:fld>
             <a:endParaRPr lang="en-US" dirty="0"/>
           </a:p>
@@ -9058,7 +9063,7 @@
           <a:noFill/>
           <a:extLst>
             <a:ext uri="{909E8E84-426E-40dd-AFC4-6F175D3DCCD1}">
-              <a14:hiddenFill xmlns:a14="http://schemas.microsoft.com/office/drawing/2010/main" xmlns="">
+              <a14:hiddenFill xmlns="" xmlns:a14="http://schemas.microsoft.com/office/drawing/2010/main">
                 <a:solidFill>
                   <a:srgbClr val="FFFFFF"/>
                 </a:solidFill>
@@ -9132,7 +9137,7 @@
               </a:ln>
               <a:extLst>
                 <a:ext uri="{91240B29-F687-4f45-9708-019B960494DF}">
-                  <a14:hiddenLine xmlns:a14="http://schemas.microsoft.com/office/drawing/2010/main" xmlns="" w="9525">
+                  <a14:hiddenLine xmlns="" xmlns:a14="http://schemas.microsoft.com/office/drawing/2010/main" w="9525">
                     <a:solidFill>
                       <a:srgbClr val="000000"/>
                     </a:solidFill>
@@ -9222,7 +9227,7 @@
               </a:ln>
               <a:extLst>
                 <a:ext uri="{91240B29-F687-4f45-9708-019B960494DF}">
-                  <a14:hiddenLine xmlns:a14="http://schemas.microsoft.com/office/drawing/2010/main" xmlns="" w="9525">
+                  <a14:hiddenLine xmlns="" xmlns:a14="http://schemas.microsoft.com/office/drawing/2010/main" w="9525">
                     <a:solidFill>
                       <a:srgbClr val="000000"/>
                     </a:solidFill>
@@ -9312,7 +9317,7 @@
               </a:ln>
               <a:extLst>
                 <a:ext uri="{91240B29-F687-4f45-9708-019B960494DF}">
-                  <a14:hiddenLine xmlns:a14="http://schemas.microsoft.com/office/drawing/2010/main" xmlns="" w="9525">
+                  <a14:hiddenLine xmlns="" xmlns:a14="http://schemas.microsoft.com/office/drawing/2010/main" w="9525">
                     <a:solidFill>
                       <a:srgbClr val="000000"/>
                     </a:solidFill>
@@ -9374,7 +9379,7 @@
               </a:ln>
               <a:extLst>
                 <a:ext uri="{91240B29-F687-4f45-9708-019B960494DF}">
-                  <a14:hiddenLine xmlns:a14="http://schemas.microsoft.com/office/drawing/2010/main" xmlns="" w="9525">
+                  <a14:hiddenLine xmlns="" xmlns:a14="http://schemas.microsoft.com/office/drawing/2010/main" w="9525">
                     <a:solidFill>
                       <a:srgbClr val="000000"/>
                     </a:solidFill>
@@ -9464,7 +9469,7 @@
               </a:ln>
               <a:extLst>
                 <a:ext uri="{91240B29-F687-4f45-9708-019B960494DF}">
-                  <a14:hiddenLine xmlns:a14="http://schemas.microsoft.com/office/drawing/2010/main" xmlns="" w="9525">
+                  <a14:hiddenLine xmlns="" xmlns:a14="http://schemas.microsoft.com/office/drawing/2010/main" w="9525">
                     <a:solidFill>
                       <a:srgbClr val="000000"/>
                     </a:solidFill>
@@ -9526,7 +9531,7 @@
               </a:ln>
               <a:extLst>
                 <a:ext uri="{91240B29-F687-4f45-9708-019B960494DF}">
-                  <a14:hiddenLine xmlns:a14="http://schemas.microsoft.com/office/drawing/2010/main" xmlns="" w="9525">
+                  <a14:hiddenLine xmlns="" xmlns:a14="http://schemas.microsoft.com/office/drawing/2010/main" w="9525">
                     <a:solidFill>
                       <a:srgbClr val="000000"/>
                     </a:solidFill>
@@ -9588,7 +9593,7 @@
               </a:ln>
               <a:extLst>
                 <a:ext uri="{91240B29-F687-4f45-9708-019B960494DF}">
-                  <a14:hiddenLine xmlns:a14="http://schemas.microsoft.com/office/drawing/2010/main" xmlns="" w="9525">
+                  <a14:hiddenLine xmlns="" xmlns:a14="http://schemas.microsoft.com/office/drawing/2010/main" w="9525">
                     <a:solidFill>
                       <a:srgbClr val="000000"/>
                     </a:solidFill>
@@ -9678,7 +9683,7 @@
               </a:ln>
               <a:extLst>
                 <a:ext uri="{91240B29-F687-4f45-9708-019B960494DF}">
-                  <a14:hiddenLine xmlns:a14="http://schemas.microsoft.com/office/drawing/2010/main" xmlns="" w="9525">
+                  <a14:hiddenLine xmlns="" xmlns:a14="http://schemas.microsoft.com/office/drawing/2010/main" w="9525">
                     <a:solidFill>
                       <a:srgbClr val="000000"/>
                     </a:solidFill>
@@ -9768,7 +9773,7 @@
               </a:ln>
               <a:extLst>
                 <a:ext uri="{91240B29-F687-4f45-9708-019B960494DF}">
-                  <a14:hiddenLine xmlns:a14="http://schemas.microsoft.com/office/drawing/2010/main" xmlns="" w="9525">
+                  <a14:hiddenLine xmlns="" xmlns:a14="http://schemas.microsoft.com/office/drawing/2010/main" w="9525">
                     <a:solidFill>
                       <a:srgbClr val="000000"/>
                     </a:solidFill>
@@ -9830,7 +9835,7 @@
               </a:ln>
               <a:extLst>
                 <a:ext uri="{91240B29-F687-4f45-9708-019B960494DF}">
-                  <a14:hiddenLine xmlns:a14="http://schemas.microsoft.com/office/drawing/2010/main" xmlns="" w="9525">
+                  <a14:hiddenLine xmlns="" xmlns:a14="http://schemas.microsoft.com/office/drawing/2010/main" w="9525">
                     <a:solidFill>
                       <a:srgbClr val="000000"/>
                     </a:solidFill>
@@ -9940,7 +9945,7 @@
               </a:ln>
               <a:extLst>
                 <a:ext uri="{91240B29-F687-4f45-9708-019B960494DF}">
-                  <a14:hiddenLine xmlns:a14="http://schemas.microsoft.com/office/drawing/2010/main" xmlns="" w="9525">
+                  <a14:hiddenLine xmlns="" xmlns:a14="http://schemas.microsoft.com/office/drawing/2010/main" w="9525">
                     <a:solidFill>
                       <a:srgbClr val="000000"/>
                     </a:solidFill>
@@ -10024,7 +10029,7 @@
               </a:ln>
               <a:extLst>
                 <a:ext uri="{91240B29-F687-4f45-9708-019B960494DF}">
-                  <a14:hiddenLine xmlns:a14="http://schemas.microsoft.com/office/drawing/2010/main" xmlns="" w="9525">
+                  <a14:hiddenLine xmlns="" xmlns:a14="http://schemas.microsoft.com/office/drawing/2010/main" w="9525">
                     <a:solidFill>
                       <a:srgbClr val="000000"/>
                     </a:solidFill>
@@ -10086,7 +10091,7 @@
               </a:ln>
               <a:extLst>
                 <a:ext uri="{91240B29-F687-4f45-9708-019B960494DF}">
-                  <a14:hiddenLine xmlns:a14="http://schemas.microsoft.com/office/drawing/2010/main" xmlns="" w="9525">
+                  <a14:hiddenLine xmlns="" xmlns:a14="http://schemas.microsoft.com/office/drawing/2010/main" w="9525">
                     <a:solidFill>
                       <a:srgbClr val="000000"/>
                     </a:solidFill>
@@ -10148,7 +10153,7 @@
               </a:ln>
               <a:extLst>
                 <a:ext uri="{91240B29-F687-4f45-9708-019B960494DF}">
-                  <a14:hiddenLine xmlns:a14="http://schemas.microsoft.com/office/drawing/2010/main" xmlns="" w="9525">
+                  <a14:hiddenLine xmlns="" xmlns:a14="http://schemas.microsoft.com/office/drawing/2010/main" w="9525">
                     <a:solidFill>
                       <a:srgbClr val="000000"/>
                     </a:solidFill>
@@ -10238,7 +10243,7 @@
               </a:ln>
               <a:extLst>
                 <a:ext uri="{91240B29-F687-4f45-9708-019B960494DF}">
-                  <a14:hiddenLine xmlns:a14="http://schemas.microsoft.com/office/drawing/2010/main" xmlns="" w="9525">
+                  <a14:hiddenLine xmlns="" xmlns:a14="http://schemas.microsoft.com/office/drawing/2010/main" w="9525">
                     <a:solidFill>
                       <a:srgbClr val="000000"/>
                     </a:solidFill>
@@ -10272,7 +10277,7 @@
               </a:ln>
               <a:extLst>
                 <a:ext uri="{91240B29-F687-4f45-9708-019B960494DF}">
-                  <a14:hiddenLine xmlns:a14="http://schemas.microsoft.com/office/drawing/2010/main" xmlns="" w="9525">
+                  <a14:hiddenLine xmlns="" xmlns:a14="http://schemas.microsoft.com/office/drawing/2010/main" w="9525">
                     <a:solidFill>
                       <a:srgbClr val="000000"/>
                     </a:solidFill>
@@ -10337,7 +10342,7 @@
               </a:ln>
               <a:extLst>
                 <a:ext uri="{91240B29-F687-4f45-9708-019B960494DF}">
-                  <a14:hiddenLine xmlns:a14="http://schemas.microsoft.com/office/drawing/2010/main" xmlns="" w="9525">
+                  <a14:hiddenLine xmlns="" xmlns:a14="http://schemas.microsoft.com/office/drawing/2010/main" w="9525">
                     <a:solidFill>
                       <a:srgbClr val="000000"/>
                     </a:solidFill>
@@ -10427,7 +10432,7 @@
               </a:ln>
               <a:extLst>
                 <a:ext uri="{91240B29-F687-4f45-9708-019B960494DF}">
-                  <a14:hiddenLine xmlns:a14="http://schemas.microsoft.com/office/drawing/2010/main" xmlns="" w="9525">
+                  <a14:hiddenLine xmlns="" xmlns:a14="http://schemas.microsoft.com/office/drawing/2010/main" w="9525">
                     <a:solidFill>
                       <a:srgbClr val="000000"/>
                     </a:solidFill>
@@ -10489,7 +10494,7 @@
               </a:ln>
               <a:extLst>
                 <a:ext uri="{91240B29-F687-4f45-9708-019B960494DF}">
-                  <a14:hiddenLine xmlns:a14="http://schemas.microsoft.com/office/drawing/2010/main" xmlns="" w="9525">
+                  <a14:hiddenLine xmlns="" xmlns:a14="http://schemas.microsoft.com/office/drawing/2010/main" w="9525">
                     <a:solidFill>
                       <a:srgbClr val="000000"/>
                     </a:solidFill>
@@ -10579,7 +10584,7 @@
               </a:ln>
               <a:extLst>
                 <a:ext uri="{91240B29-F687-4f45-9708-019B960494DF}">
-                  <a14:hiddenLine xmlns:a14="http://schemas.microsoft.com/office/drawing/2010/main" xmlns="" w="9525">
+                  <a14:hiddenLine xmlns="" xmlns:a14="http://schemas.microsoft.com/office/drawing/2010/main" w="9525">
                     <a:solidFill>
                       <a:srgbClr val="000000"/>
                     </a:solidFill>
@@ -10644,7 +10649,7 @@
               </a:ln>
               <a:extLst>
                 <a:ext uri="{91240B29-F687-4f45-9708-019B960494DF}">
-                  <a14:hiddenLine xmlns:a14="http://schemas.microsoft.com/office/drawing/2010/main" xmlns="" w="9525">
+                  <a14:hiddenLine xmlns="" xmlns:a14="http://schemas.microsoft.com/office/drawing/2010/main" w="9525">
                     <a:solidFill>
                       <a:srgbClr val="000000"/>
                     </a:solidFill>
@@ -10706,7 +10711,7 @@
               </a:ln>
               <a:extLst>
                 <a:ext uri="{91240B29-F687-4f45-9708-019B960494DF}">
-                  <a14:hiddenLine xmlns:a14="http://schemas.microsoft.com/office/drawing/2010/main" xmlns="" w="9525">
+                  <a14:hiddenLine xmlns="" xmlns:a14="http://schemas.microsoft.com/office/drawing/2010/main" w="9525">
                     <a:solidFill>
                       <a:srgbClr val="000000"/>
                     </a:solidFill>
@@ -10796,7 +10801,7 @@
               </a:ln>
               <a:extLst>
                 <a:ext uri="{91240B29-F687-4f45-9708-019B960494DF}">
-                  <a14:hiddenLine xmlns:a14="http://schemas.microsoft.com/office/drawing/2010/main" xmlns="" w="9525">
+                  <a14:hiddenLine xmlns="" xmlns:a14="http://schemas.microsoft.com/office/drawing/2010/main" w="9525">
                     <a:solidFill>
                       <a:srgbClr val="000000"/>
                     </a:solidFill>
@@ -10886,7 +10891,7 @@
               </a:ln>
               <a:extLst>
                 <a:ext uri="{91240B29-F687-4f45-9708-019B960494DF}">
-                  <a14:hiddenLine xmlns:a14="http://schemas.microsoft.com/office/drawing/2010/main" xmlns="" w="9525">
+                  <a14:hiddenLine xmlns="" xmlns:a14="http://schemas.microsoft.com/office/drawing/2010/main" w="9525">
                     <a:solidFill>
                       <a:srgbClr val="000000"/>
                     </a:solidFill>
@@ -10951,7 +10956,7 @@
               </a:ln>
               <a:extLst>
                 <a:ext uri="{91240B29-F687-4f45-9708-019B960494DF}">
-                  <a14:hiddenLine xmlns:a14="http://schemas.microsoft.com/office/drawing/2010/main" xmlns="" w="9525">
+                  <a14:hiddenLine xmlns="" xmlns:a14="http://schemas.microsoft.com/office/drawing/2010/main" w="9525">
                     <a:solidFill>
                       <a:srgbClr val="000000"/>
                     </a:solidFill>
@@ -11071,7 +11076,7 @@
               </a:ln>
               <a:extLst>
                 <a:ext uri="{91240B29-F687-4f45-9708-019B960494DF}">
-                  <a14:hiddenLine xmlns:a14="http://schemas.microsoft.com/office/drawing/2010/main" xmlns="" w="9525">
+                  <a14:hiddenLine xmlns="" xmlns:a14="http://schemas.microsoft.com/office/drawing/2010/main" w="9525">
                     <a:solidFill>
                       <a:srgbClr val="000000"/>
                     </a:solidFill>
@@ -11169,7 +11174,7 @@
               </a:ln>
               <a:extLst>
                 <a:ext uri="{91240B29-F687-4f45-9708-019B960494DF}">
-                  <a14:hiddenLine xmlns:a14="http://schemas.microsoft.com/office/drawing/2010/main" xmlns="" w="9525">
+                  <a14:hiddenLine xmlns="" xmlns:a14="http://schemas.microsoft.com/office/drawing/2010/main" w="9525">
                     <a:solidFill>
                       <a:srgbClr val="000000"/>
                     </a:solidFill>
@@ -11284,7 +11289,7 @@
               </a:ln>
               <a:extLst>
                 <a:ext uri="{91240B29-F687-4f45-9708-019B960494DF}">
-                  <a14:hiddenLine xmlns:a14="http://schemas.microsoft.com/office/drawing/2010/main" xmlns="" w="9525">
+                  <a14:hiddenLine xmlns="" xmlns:a14="http://schemas.microsoft.com/office/drawing/2010/main" w="9525">
                     <a:solidFill>
                       <a:srgbClr val="000000"/>
                     </a:solidFill>
@@ -11374,7 +11379,7 @@
               </a:ln>
               <a:extLst>
                 <a:ext uri="{91240B29-F687-4f45-9708-019B960494DF}">
-                  <a14:hiddenLine xmlns:a14="http://schemas.microsoft.com/office/drawing/2010/main" xmlns="" w="9525">
+                  <a14:hiddenLine xmlns="" xmlns:a14="http://schemas.microsoft.com/office/drawing/2010/main" w="9525">
                     <a:solidFill>
                       <a:srgbClr val="000000"/>
                     </a:solidFill>
@@ -11439,7 +11444,7 @@
               </a:ln>
               <a:extLst>
                 <a:ext uri="{91240B29-F687-4f45-9708-019B960494DF}">
-                  <a14:hiddenLine xmlns:a14="http://schemas.microsoft.com/office/drawing/2010/main" xmlns="" w="9525">
+                  <a14:hiddenLine xmlns="" xmlns:a14="http://schemas.microsoft.com/office/drawing/2010/main" w="9525">
                     <a:solidFill>
                       <a:srgbClr val="000000"/>
                     </a:solidFill>
@@ -11529,7 +11534,7 @@
               </a:ln>
               <a:extLst>
                 <a:ext uri="{91240B29-F687-4f45-9708-019B960494DF}">
-                  <a14:hiddenLine xmlns:a14="http://schemas.microsoft.com/office/drawing/2010/main" xmlns="" w="9525">
+                  <a14:hiddenLine xmlns="" xmlns:a14="http://schemas.microsoft.com/office/drawing/2010/main" w="9525">
                     <a:solidFill>
                       <a:srgbClr val="000000"/>
                     </a:solidFill>
@@ -11597,7 +11602,7 @@
               </a:ln>
               <a:extLst>
                 <a:ext uri="{91240B29-F687-4f45-9708-019B960494DF}">
-                  <a14:hiddenLine xmlns:a14="http://schemas.microsoft.com/office/drawing/2010/main" xmlns="" w="9525">
+                  <a14:hiddenLine xmlns="" xmlns:a14="http://schemas.microsoft.com/office/drawing/2010/main" w="9525">
                     <a:solidFill>
                       <a:srgbClr val="000000"/>
                     </a:solidFill>
@@ -11687,7 +11692,7 @@
               </a:ln>
               <a:extLst>
                 <a:ext uri="{91240B29-F687-4f45-9708-019B960494DF}">
-                  <a14:hiddenLine xmlns:a14="http://schemas.microsoft.com/office/drawing/2010/main" xmlns="" w="9525">
+                  <a14:hiddenLine xmlns="" xmlns:a14="http://schemas.microsoft.com/office/drawing/2010/main" w="9525">
                     <a:solidFill>
                       <a:srgbClr val="000000"/>
                     </a:solidFill>
@@ -11755,7 +11760,7 @@
               </a:ln>
               <a:extLst>
                 <a:ext uri="{91240B29-F687-4f45-9708-019B960494DF}">
-                  <a14:hiddenLine xmlns:a14="http://schemas.microsoft.com/office/drawing/2010/main" xmlns="" w="9525">
+                  <a14:hiddenLine xmlns="" xmlns:a14="http://schemas.microsoft.com/office/drawing/2010/main" w="9525">
                     <a:solidFill>
                       <a:srgbClr val="000000"/>
                     </a:solidFill>
@@ -11845,7 +11850,7 @@
               </a:ln>
               <a:extLst>
                 <a:ext uri="{91240B29-F687-4f45-9708-019B960494DF}">
-                  <a14:hiddenLine xmlns:a14="http://schemas.microsoft.com/office/drawing/2010/main" xmlns="" w="9525">
+                  <a14:hiddenLine xmlns="" xmlns:a14="http://schemas.microsoft.com/office/drawing/2010/main" w="9525">
                     <a:solidFill>
                       <a:srgbClr val="000000"/>
                     </a:solidFill>
@@ -11879,7 +11884,7 @@
               </a:ln>
               <a:extLst>
                 <a:ext uri="{91240B29-F687-4f45-9708-019B960494DF}">
-                  <a14:hiddenLine xmlns:a14="http://schemas.microsoft.com/office/drawing/2010/main" xmlns="" w="9525">
+                  <a14:hiddenLine xmlns="" xmlns:a14="http://schemas.microsoft.com/office/drawing/2010/main" w="9525">
                     <a:solidFill>
                       <a:srgbClr val="000000"/>
                     </a:solidFill>
@@ -12020,7 +12025,7 @@
             <a:fld id="{48A87A34-81AB-432B-8DAE-1953F412C126}" type="datetimeFigureOut">
               <a:rPr lang="en-US" smtClean="0"/>
               <a:pPr/>
-              <a:t>12/11/19</a:t>
+              <a:t>12/18/19</a:t>
             </a:fld>
             <a:endParaRPr lang="en-US" dirty="0"/>
           </a:p>
@@ -12603,6 +12608,29 @@
           <a:bodyPr/>
           <a:lstStyle/>
           <a:p>
+            <a:r>
+              <a:rPr lang="en-US" dirty="0"/>
+              <a:t>Sine, FM, and Audio File that uses C to create granular synthesis</a:t>
+            </a:r>
+          </a:p>
+          <a:p>
+            <a:endParaRPr lang="en-US" dirty="0"/>
+          </a:p>
+          <a:p>
+            <a:r>
+              <a:rPr lang="en-US" dirty="0"/>
+              <a:t>Started from Ben </a:t>
+            </a:r>
+            <a:r>
+              <a:rPr lang="en-US" dirty="0" err="1"/>
+              <a:t>Houge's</a:t>
+            </a:r>
+            <a:r>
+              <a:rPr lang="en-US" dirty="0"/>
+              <a:t> implementation of granular in FM</a:t>
+            </a:r>
+          </a:p>
+          <a:p>
             <a:endParaRPr lang="en-US" dirty="0"/>
           </a:p>
         </p:txBody>
@@ -12784,7 +12812,46 @@
           <a:bodyPr/>
           <a:lstStyle/>
           <a:p>
-            <a:endParaRPr lang="en-US"/>
+            <a:r>
+              <a:rPr lang="en-US" dirty="0"/>
+              <a:t>Creates very miniscule durations and printing hundreds of lines of score that would otherwise be impractical in </a:t>
+            </a:r>
+            <a:r>
+              <a:rPr lang="en-US" dirty="0" err="1"/>
+              <a:t>Csound</a:t>
+            </a:r>
+            <a:endParaRPr lang="en-US" dirty="0"/>
+          </a:p>
+          <a:p>
+            <a:pPr marL="0" indent="0">
+              <a:buNone/>
+            </a:pPr>
+            <a:endParaRPr lang="en-US" dirty="0"/>
+          </a:p>
+          <a:p>
+            <a:r>
+              <a:rPr lang="en-US" dirty="0"/>
+              <a:t>It prints into the </a:t>
+            </a:r>
+            <a:r>
+              <a:rPr lang="en-US" dirty="0" err="1"/>
+              <a:t>myScore.csd</a:t>
+            </a:r>
+            <a:r>
+              <a:rPr lang="en-US" dirty="0"/>
+              <a:t> file so that </a:t>
+            </a:r>
+            <a:r>
+              <a:rPr lang="en-US" dirty="0" err="1"/>
+              <a:t>Csound</a:t>
+            </a:r>
+            <a:r>
+              <a:rPr lang="en-US" dirty="0"/>
+              <a:t> can run as usual.</a:t>
+            </a:r>
+          </a:p>
+          <a:p>
+            <a:endParaRPr lang="en-US" dirty="0"/>
           </a:p>
         </p:txBody>
       </p:sp>
@@ -12937,7 +13004,22 @@
           <a:bodyPr/>
           <a:lstStyle/>
           <a:p>
-            <a:endParaRPr lang="en-US"/>
+            <a:r>
+              <a:rPr lang="en-US" dirty="0"/>
+              <a:t>It can take audio files and granularize them</a:t>
+            </a:r>
+          </a:p>
+          <a:p>
+            <a:pPr marL="0" indent="0">
+              <a:buNone/>
+            </a:pPr>
+            <a:endParaRPr lang="en-US" dirty="0"/>
+          </a:p>
+          <a:p>
+            <a:r>
+              <a:rPr lang="en-US" dirty="0"/>
+              <a:t>It can do FM and Sine granularization</a:t>
+            </a:r>
           </a:p>
         </p:txBody>
       </p:sp>
@@ -13020,7 +13102,28 @@
           <a:bodyPr/>
           <a:lstStyle/>
           <a:p>
-            <a:endParaRPr lang="en-US"/>
+            <a:r>
+              <a:rPr lang="en-US" dirty="0"/>
+              <a:t>It can’t take global instruments like delay, distortion and reverb</a:t>
+            </a:r>
+          </a:p>
+          <a:p>
+            <a:endParaRPr lang="en-US" dirty="0"/>
+          </a:p>
+          <a:p>
+            <a:r>
+              <a:rPr lang="en-US" dirty="0"/>
+              <a:t>You can’t change the parameters on the fly</a:t>
+            </a:r>
+          </a:p>
+          <a:p>
+            <a:endParaRPr lang="en-US" dirty="0"/>
+          </a:p>
+          <a:p>
+            <a:r>
+              <a:rPr lang="en-US" dirty="0"/>
+              <a:t>It doesn’t take user input</a:t>
+            </a:r>
           </a:p>
         </p:txBody>
       </p:sp>
@@ -13103,7 +13206,19 @@
           <a:bodyPr/>
           <a:lstStyle/>
           <a:p>
-            <a:endParaRPr lang="en-US"/>
+            <a:r>
+              <a:rPr lang="en-US" dirty="0"/>
+              <a:t>Global Instruments: Reverb, Distortion, Delay</a:t>
+            </a:r>
+          </a:p>
+          <a:p>
+            <a:endParaRPr lang="en-US" dirty="0"/>
+          </a:p>
+          <a:p>
+            <a:r>
+              <a:rPr lang="en-US" dirty="0"/>
+              <a:t>User input to change parameters</a:t>
+            </a:r>
           </a:p>
         </p:txBody>
       </p:sp>
@@ -13137,6 +13252,39 @@
           <a:chExt cx="0" cy="0"/>
         </a:xfrm>
       </p:grpSpPr>
+      <p:sp>
+        <p:nvSpPr>
+          <p:cNvPr id="2" name="Title 1">
+            <a:extLst>
+              <a:ext uri="{FF2B5EF4-FFF2-40B4-BE49-F238E27FC236}">
+                <a16:creationId xmlns:a16="http://schemas.microsoft.com/office/drawing/2014/main" id="{D1A09135-46A9-F840-8BAD-B0ED857614E2}"/>
+              </a:ext>
+            </a:extLst>
+          </p:cNvPr>
+          <p:cNvSpPr>
+            <a:spLocks noGrp="1"/>
+          </p:cNvSpPr>
+          <p:nvPr>
+            <p:ph type="title"/>
+          </p:nvPr>
+        </p:nvSpPr>
+        <p:spPr>
+          <a:xfrm>
+            <a:off x="4389110" y="2689715"/>
+            <a:ext cx="2705373" cy="1478570"/>
+          </a:xfrm>
+        </p:spPr>
+        <p:txBody>
+          <a:bodyPr/>
+          <a:lstStyle/>
+          <a:p>
+            <a:r>
+              <a:rPr lang="en-US" dirty="0"/>
+              <a:t>Thank you!</a:t>
+            </a:r>
+          </a:p>
+        </p:txBody>
+      </p:sp>
     </p:spTree>
     <p:extLst>
       <p:ext uri="{BB962C8B-B14F-4D97-AF65-F5344CB8AC3E}">
